--- a/payments/y2020-strong-merchant-authorization.pptx
+++ b/payments/y2020-strong-merchant-authorization.pptx
@@ -6160,8 +6160,8 @@
         </p:nvSpPr>
         <p:spPr>
           <a:xfrm>
-            <a:off x="2723616" y="2091625"/>
-            <a:ext cx="1365310" cy="523220"/>
+            <a:off x="2724071" y="2091625"/>
+            <a:ext cx="1364400" cy="523220"/>
           </a:xfrm>
           <a:prstGeom prst="rect">
             <a:avLst/>
@@ -6339,8 +6339,8 @@
         </p:nvSpPr>
         <p:spPr>
           <a:xfrm>
-            <a:off x="2732849" y="2820052"/>
-            <a:ext cx="1346844" cy="777136"/>
+            <a:off x="2724071" y="2820052"/>
+            <a:ext cx="1364400" cy="777136"/>
           </a:xfrm>
           <a:prstGeom prst="rect">
             <a:avLst/>
@@ -6602,8 +6602,8 @@
         </p:nvSpPr>
         <p:spPr>
           <a:xfrm>
-            <a:off x="2723616" y="4303197"/>
-            <a:ext cx="1365310" cy="523220"/>
+            <a:off x="2724071" y="4303197"/>
+            <a:ext cx="1364400" cy="523220"/>
           </a:xfrm>
           <a:prstGeom prst="rect">
             <a:avLst/>
@@ -6687,8 +6687,8 @@
         </p:nvSpPr>
         <p:spPr>
           <a:xfrm>
-            <a:off x="2755292" y="4989232"/>
-            <a:ext cx="1301959" cy="777136"/>
+            <a:off x="2724071" y="4989232"/>
+            <a:ext cx="1364400" cy="777136"/>
           </a:xfrm>
           <a:prstGeom prst="rect">
             <a:avLst/>
@@ -6914,7 +6914,7 @@
                   <a:schemeClr val="tx1"/>
                 </a:solidFill>
               </a:rPr>
-              <a:t>• The Merchant’s signature is now verified for belonging to a genuine Merchant having a valid account in the Merchant Bank</a:t>
+              <a:t>• The Merchant’s signature must now be verified for belonging to a genuine Merchant having a valid account in the Merchant Bank</a:t>
             </a:r>
             <a:br>
               <a:rPr lang="en-US" sz="1400" dirty="0" smtClean="0">

--- a/payments/y2020-strong-merchant-authorization.pptx
+++ b/payments/y2020-strong-merchant-authorization.pptx
@@ -288,7 +288,7 @@
           <a:p>
             <a:fld id="{ACA14FDE-46FF-4805-9154-CB827A54529B}" type="datetimeFigureOut">
               <a:rPr lang="en-US" smtClean="0"/>
-              <a:t>2020-04-07</a:t>
+              <a:t>2020-04-08</a:t>
             </a:fld>
             <a:endParaRPr lang="en-US"/>
           </a:p>
@@ -458,7 +458,7 @@
           <a:p>
             <a:fld id="{ACA14FDE-46FF-4805-9154-CB827A54529B}" type="datetimeFigureOut">
               <a:rPr lang="en-US" smtClean="0"/>
-              <a:t>2020-04-07</a:t>
+              <a:t>2020-04-08</a:t>
             </a:fld>
             <a:endParaRPr lang="en-US"/>
           </a:p>
@@ -638,7 +638,7 @@
           <a:p>
             <a:fld id="{ACA14FDE-46FF-4805-9154-CB827A54529B}" type="datetimeFigureOut">
               <a:rPr lang="en-US" smtClean="0"/>
-              <a:t>2020-04-07</a:t>
+              <a:t>2020-04-08</a:t>
             </a:fld>
             <a:endParaRPr lang="en-US"/>
           </a:p>
@@ -808,7 +808,7 @@
           <a:p>
             <a:fld id="{ACA14FDE-46FF-4805-9154-CB827A54529B}" type="datetimeFigureOut">
               <a:rPr lang="en-US" smtClean="0"/>
-              <a:t>2020-04-07</a:t>
+              <a:t>2020-04-08</a:t>
             </a:fld>
             <a:endParaRPr lang="en-US"/>
           </a:p>
@@ -1054,7 +1054,7 @@
           <a:p>
             <a:fld id="{ACA14FDE-46FF-4805-9154-CB827A54529B}" type="datetimeFigureOut">
               <a:rPr lang="en-US" smtClean="0"/>
-              <a:t>2020-04-07</a:t>
+              <a:t>2020-04-08</a:t>
             </a:fld>
             <a:endParaRPr lang="en-US"/>
           </a:p>
@@ -1342,7 +1342,7 @@
           <a:p>
             <a:fld id="{ACA14FDE-46FF-4805-9154-CB827A54529B}" type="datetimeFigureOut">
               <a:rPr lang="en-US" smtClean="0"/>
-              <a:t>2020-04-07</a:t>
+              <a:t>2020-04-08</a:t>
             </a:fld>
             <a:endParaRPr lang="en-US"/>
           </a:p>
@@ -1764,7 +1764,7 @@
           <a:p>
             <a:fld id="{ACA14FDE-46FF-4805-9154-CB827A54529B}" type="datetimeFigureOut">
               <a:rPr lang="en-US" smtClean="0"/>
-              <a:t>2020-04-07</a:t>
+              <a:t>2020-04-08</a:t>
             </a:fld>
             <a:endParaRPr lang="en-US"/>
           </a:p>
@@ -1882,7 +1882,7 @@
           <a:p>
             <a:fld id="{ACA14FDE-46FF-4805-9154-CB827A54529B}" type="datetimeFigureOut">
               <a:rPr lang="en-US" smtClean="0"/>
-              <a:t>2020-04-07</a:t>
+              <a:t>2020-04-08</a:t>
             </a:fld>
             <a:endParaRPr lang="en-US"/>
           </a:p>
@@ -1977,7 +1977,7 @@
           <a:p>
             <a:fld id="{ACA14FDE-46FF-4805-9154-CB827A54529B}" type="datetimeFigureOut">
               <a:rPr lang="en-US" smtClean="0"/>
-              <a:t>2020-04-07</a:t>
+              <a:t>2020-04-08</a:t>
             </a:fld>
             <a:endParaRPr lang="en-US"/>
           </a:p>
@@ -2254,7 +2254,7 @@
           <a:p>
             <a:fld id="{ACA14FDE-46FF-4805-9154-CB827A54529B}" type="datetimeFigureOut">
               <a:rPr lang="en-US" smtClean="0"/>
-              <a:t>2020-04-07</a:t>
+              <a:t>2020-04-08</a:t>
             </a:fld>
             <a:endParaRPr lang="en-US"/>
           </a:p>
@@ -2507,7 +2507,7 @@
           <a:p>
             <a:fld id="{ACA14FDE-46FF-4805-9154-CB827A54529B}" type="datetimeFigureOut">
               <a:rPr lang="en-US" smtClean="0"/>
-              <a:t>2020-04-07</a:t>
+              <a:t>2020-04-08</a:t>
             </a:fld>
             <a:endParaRPr lang="en-US"/>
           </a:p>
@@ -2720,7 +2720,7 @@
           <a:p>
             <a:fld id="{ACA14FDE-46FF-4805-9154-CB827A54529B}" type="datetimeFigureOut">
               <a:rPr lang="en-US" smtClean="0"/>
-              <a:t>2020-04-07</a:t>
+              <a:t>2020-04-08</a:t>
             </a:fld>
             <a:endParaRPr lang="en-US"/>
           </a:p>
@@ -6116,7 +6116,11 @@
           <a:p>
             <a:r>
               <a:rPr lang="en-US" sz="1000" dirty="0" smtClean="0"/>
-              <a:t>2020-04-07 anders.rundgren.net@gmail.com</a:t>
+              <a:t>2020-04-08 </a:t>
+            </a:r>
+            <a:r>
+              <a:rPr lang="en-US" sz="1000" dirty="0" smtClean="0"/>
+              <a:t>anders.rundgren.net@gmail.com</a:t>
             </a:r>
             <a:endParaRPr lang="en-US" sz="1000" dirty="0"/>
           </a:p>
@@ -6445,11 +6449,13 @@
         </p:nvSpPr>
         <p:spPr>
           <a:xfrm>
-            <a:off x="4761256" y="2492896"/>
-            <a:ext cx="3529304" cy="578882"/>
+            <a:off x="4809744" y="2523744"/>
+            <a:ext cx="4041766" cy="1312920"/>
           </a:xfrm>
           <a:prstGeom prst="roundRect">
-            <a:avLst/>
+            <a:avLst>
+              <a:gd name="adj" fmla="val 6932"/>
+            </a:avLst>
           </a:prstGeom>
           <a:solidFill>
             <a:schemeClr val="bg1">
@@ -6486,9 +6492,32 @@
                   <a:schemeClr val="tx1"/>
                 </a:solidFill>
               </a:rPr>
-              <a:t>If accepted, the User returns a digitally signed authorization matching the request.</a:t>
-            </a:r>
-            <a:endParaRPr lang="en-US" sz="1400" dirty="0">
+              <a:t>If accepted, the User returns a digitally signed authorization matching the </a:t>
+            </a:r>
+            <a:r>
+              <a:rPr lang="en-US" sz="1400" dirty="0" smtClean="0">
+                <a:solidFill>
+                  <a:schemeClr val="tx1"/>
+                </a:solidFill>
+              </a:rPr>
+              <a:t>request.</a:t>
+            </a:r>
+          </a:p>
+          <a:p>
+            <a:pPr>
+              <a:spcBef>
+                <a:spcPts val="600"/>
+              </a:spcBef>
+            </a:pPr>
+            <a:r>
+              <a:rPr lang="en-US" sz="1400" i="1" dirty="0" smtClean="0">
+                <a:solidFill>
+                  <a:schemeClr val="tx1"/>
+                </a:solidFill>
+              </a:rPr>
+              <a:t>In a proper implementation the User authorization is also encrypted since Merchants do not need personal information like account numbers.</a:t>
+            </a:r>
+            <a:endParaRPr lang="en-US" sz="1400" i="1" dirty="0">
               <a:solidFill>
                 <a:schemeClr val="tx1"/>
               </a:solidFill>

--- a/payments/y2020-strong-merchant-authorization.pptx
+++ b/payments/y2020-strong-merchant-authorization.pptx
@@ -6116,11 +6116,7 @@
           <a:p>
             <a:r>
               <a:rPr lang="en-US" sz="1000" dirty="0" smtClean="0"/>
-              <a:t>2020-04-08 </a:t>
-            </a:r>
-            <a:r>
-              <a:rPr lang="en-US" sz="1000" dirty="0" smtClean="0"/>
-              <a:t>anders.rundgren.net@gmail.com</a:t>
+              <a:t>2020-04-08 anders.rundgren.net@gmail.com</a:t>
             </a:r>
             <a:endParaRPr lang="en-US" sz="1000" dirty="0"/>
           </a:p>
@@ -6492,15 +6488,7 @@
                   <a:schemeClr val="tx1"/>
                 </a:solidFill>
               </a:rPr>
-              <a:t>If accepted, the User returns a digitally signed authorization matching the </a:t>
-            </a:r>
-            <a:r>
-              <a:rPr lang="en-US" sz="1400" dirty="0" smtClean="0">
-                <a:solidFill>
-                  <a:schemeClr val="tx1"/>
-                </a:solidFill>
-              </a:rPr>
-              <a:t>request.</a:t>
+              <a:t>If accepted, the User returns a digitally signed authorization matching the request.</a:t>
             </a:r>
           </a:p>
           <a:p>
@@ -6566,8 +6554,8 @@
         </p:nvSpPr>
         <p:spPr>
           <a:xfrm>
-            <a:off x="2567817" y="4137115"/>
-            <a:ext cx="1676908" cy="2028189"/>
+            <a:off x="2542271" y="4137115"/>
+            <a:ext cx="1728000" cy="2028189"/>
           </a:xfrm>
           <a:prstGeom prst="rect">
             <a:avLst/>

--- a/payments/y2020-strong-merchant-authorization.pptx
+++ b/payments/y2020-strong-merchant-authorization.pptx
@@ -6160,8 +6160,8 @@
         </p:nvSpPr>
         <p:spPr>
           <a:xfrm>
-            <a:off x="2724071" y="2091625"/>
-            <a:ext cx="1364400" cy="523220"/>
+            <a:off x="2722271" y="2091625"/>
+            <a:ext cx="1368000" cy="523220"/>
           </a:xfrm>
           <a:prstGeom prst="rect">
             <a:avLst/>
@@ -6227,7 +6227,23 @@
                   <a:schemeClr val="tx1"/>
                 </a:solidFill>
               </a:rPr>
-              <a:t>Amount: € 100</a:t>
+              <a:t>Pay</a:t>
+            </a:r>
+            <a:r>
+              <a:rPr lang="en-US" sz="1400" dirty="0" smtClean="0">
+                <a:solidFill>
+                  <a:schemeClr val="tx1"/>
+                </a:solidFill>
+              </a:rPr>
+              <a:t>: </a:t>
+            </a:r>
+            <a:r>
+              <a:rPr lang="en-US" sz="1400" dirty="0" smtClean="0">
+                <a:solidFill>
+                  <a:schemeClr val="tx1"/>
+                </a:solidFill>
+              </a:rPr>
+              <a:t>€ 100</a:t>
             </a:r>
             <a:endParaRPr lang="en-US" sz="1400" dirty="0">
               <a:solidFill>
@@ -6339,8 +6355,8 @@
         </p:nvSpPr>
         <p:spPr>
           <a:xfrm>
-            <a:off x="2724071" y="2820052"/>
-            <a:ext cx="1364400" cy="777136"/>
+            <a:off x="2722271" y="2712331"/>
+            <a:ext cx="1368000" cy="992579"/>
           </a:xfrm>
           <a:prstGeom prst="rect">
             <a:avLst/>
@@ -6410,8 +6426,52 @@
                   <a:schemeClr val="tx1"/>
                 </a:solidFill>
               </a:rPr>
-              <a:t>Amount: € 100</a:t>
-            </a:r>
+              <a:t>Pay</a:t>
+            </a:r>
+            <a:r>
+              <a:rPr lang="en-US" sz="1400" dirty="0" smtClean="0">
+                <a:solidFill>
+                  <a:schemeClr val="tx1"/>
+                </a:solidFill>
+              </a:rPr>
+              <a:t>: </a:t>
+            </a:r>
+            <a:r>
+              <a:rPr lang="en-US" sz="1400" dirty="0" smtClean="0">
+                <a:solidFill>
+                  <a:schemeClr val="tx1"/>
+                </a:solidFill>
+              </a:rPr>
+              <a:t>€ </a:t>
+            </a:r>
+            <a:r>
+              <a:rPr lang="en-US" sz="1400" dirty="0" smtClean="0">
+                <a:solidFill>
+                  <a:schemeClr val="tx1"/>
+                </a:solidFill>
+              </a:rPr>
+              <a:t>100</a:t>
+            </a:r>
+            <a:br>
+              <a:rPr lang="en-US" sz="1400" dirty="0" smtClean="0">
+                <a:solidFill>
+                  <a:schemeClr val="tx1"/>
+                </a:solidFill>
+              </a:rPr>
+            </a:br>
+            <a:r>
+              <a:rPr lang="en-US" sz="1400" dirty="0" smtClean="0">
+                <a:solidFill>
+                  <a:schemeClr val="tx1"/>
+                </a:solidFill>
+              </a:rPr>
+              <a:t>Account: 46432</a:t>
+            </a:r>
+            <a:endParaRPr lang="en-US" sz="1400" dirty="0" smtClean="0">
+              <a:solidFill>
+                <a:schemeClr val="tx1"/>
+              </a:solidFill>
+            </a:endParaRPr>
           </a:p>
           <a:p>
             <a:pPr>
@@ -6521,7 +6581,7 @@
         </p:nvCxnSpPr>
         <p:spPr>
           <a:xfrm>
-            <a:off x="2269742" y="5145728"/>
+            <a:off x="2269742" y="5190133"/>
             <a:ext cx="3484800" cy="0"/>
           </a:xfrm>
           <a:prstGeom prst="straightConnector1">
@@ -6555,7 +6615,7 @@
         <p:spPr>
           <a:xfrm>
             <a:off x="2542271" y="4137115"/>
-            <a:ext cx="1728000" cy="2028189"/>
+            <a:ext cx="1728000" cy="2162885"/>
           </a:xfrm>
           <a:prstGeom prst="rect">
             <a:avLst/>
@@ -6619,8 +6679,8 @@
         </p:nvSpPr>
         <p:spPr>
           <a:xfrm>
-            <a:off x="2724071" y="4303197"/>
-            <a:ext cx="1364400" cy="523220"/>
+            <a:off x="2722271" y="4303197"/>
+            <a:ext cx="1368000" cy="523220"/>
           </a:xfrm>
           <a:prstGeom prst="rect">
             <a:avLst/>
@@ -6686,7 +6746,23 @@
                   <a:schemeClr val="tx1"/>
                 </a:solidFill>
               </a:rPr>
-              <a:t>Amount: € 100</a:t>
+              <a:t>Pay</a:t>
+            </a:r>
+            <a:r>
+              <a:rPr lang="en-US" sz="1400" dirty="0" smtClean="0">
+                <a:solidFill>
+                  <a:schemeClr val="tx1"/>
+                </a:solidFill>
+              </a:rPr>
+              <a:t>: </a:t>
+            </a:r>
+            <a:r>
+              <a:rPr lang="en-US" sz="1400" dirty="0" smtClean="0">
+                <a:solidFill>
+                  <a:schemeClr val="tx1"/>
+                </a:solidFill>
+              </a:rPr>
+              <a:t>€ 100</a:t>
             </a:r>
             <a:endParaRPr lang="en-US" sz="1400" dirty="0">
               <a:solidFill>
@@ -6704,8 +6780,8 @@
         </p:nvSpPr>
         <p:spPr>
           <a:xfrm>
-            <a:off x="2724071" y="4989232"/>
-            <a:ext cx="1364400" cy="777136"/>
+            <a:off x="2722271" y="4941168"/>
+            <a:ext cx="1368000" cy="992579"/>
           </a:xfrm>
           <a:prstGeom prst="rect">
             <a:avLst/>
@@ -6775,8 +6851,60 @@
                   <a:schemeClr val="tx1"/>
                 </a:solidFill>
               </a:rPr>
-              <a:t>Amount: € 100</a:t>
-            </a:r>
+              <a:t>Pay</a:t>
+            </a:r>
+            <a:r>
+              <a:rPr lang="en-US" sz="1400" dirty="0" smtClean="0">
+                <a:solidFill>
+                  <a:schemeClr val="tx1"/>
+                </a:solidFill>
+              </a:rPr>
+              <a:t>: </a:t>
+            </a:r>
+            <a:r>
+              <a:rPr lang="en-US" sz="1400" dirty="0" smtClean="0">
+                <a:solidFill>
+                  <a:schemeClr val="tx1"/>
+                </a:solidFill>
+              </a:rPr>
+              <a:t>€ </a:t>
+            </a:r>
+            <a:r>
+              <a:rPr lang="en-US" sz="1400" dirty="0">
+                <a:solidFill>
+                  <a:schemeClr val="tx1"/>
+                </a:solidFill>
+              </a:rPr>
+              <a:t>100</a:t>
+            </a:r>
+            <a:br>
+              <a:rPr lang="en-US" sz="1400" dirty="0">
+                <a:solidFill>
+                  <a:schemeClr val="tx1"/>
+                </a:solidFill>
+              </a:rPr>
+            </a:br>
+            <a:r>
+              <a:rPr lang="en-US" sz="1400" dirty="0" smtClean="0">
+                <a:solidFill>
+                  <a:schemeClr val="tx1"/>
+                </a:solidFill>
+              </a:rPr>
+              <a:t>Account: </a:t>
+            </a:r>
+            <a:r>
+              <a:rPr lang="en-US" sz="1400" dirty="0">
+                <a:solidFill>
+                  <a:schemeClr val="tx1"/>
+                </a:solidFill>
+              </a:rPr>
+              <a:t>46432</a:t>
+            </a:r>
+            <a:endParaRPr lang="en-US" sz="1400" dirty="0" smtClean="0">
+              <a:solidFill>
+                <a:schemeClr val="tx1"/>
+              </a:solidFill>
+            </a:endParaRPr>
           </a:p>
           <a:p>
             <a:pPr>
@@ -6810,7 +6938,7 @@
         </p:nvSpPr>
         <p:spPr>
           <a:xfrm>
-            <a:off x="2851472" y="5826975"/>
+            <a:off x="2851472" y="5971063"/>
             <a:ext cx="1109599" cy="307777"/>
           </a:xfrm>
           <a:prstGeom prst="rect">
@@ -7738,7 +7866,7 @@
         </p:nvGrpSpPr>
         <p:grpSpPr>
           <a:xfrm>
-            <a:off x="2075007" y="4959479"/>
+            <a:off x="2075007" y="5003884"/>
             <a:ext cx="389850" cy="369332"/>
             <a:chOff x="7769835" y="3418564"/>
             <a:chExt cx="389850" cy="369332"/>

--- a/payments/y2020-strong-merchant-authorization.pptx
+++ b/payments/y2020-strong-merchant-authorization.pptx
@@ -3103,7 +3103,7 @@
         </p:nvCxnSpPr>
         <p:spPr>
           <a:xfrm>
-            <a:off x="2270357" y="2353235"/>
+            <a:off x="2270357" y="2347139"/>
             <a:ext cx="2268626" cy="0"/>
           </a:xfrm>
           <a:prstGeom prst="straightConnector1">
@@ -3137,7 +3137,7 @@
         <p:spPr>
           <a:xfrm>
             <a:off x="2270357" y="1800000"/>
-            <a:ext cx="0" cy="4500000"/>
+            <a:ext cx="0" cy="4608000"/>
           </a:xfrm>
           <a:prstGeom prst="straightConnector1">
             <a:avLst/>
@@ -3173,7 +3173,7 @@
         <p:spPr>
           <a:xfrm>
             <a:off x="4556169" y="1800000"/>
-            <a:ext cx="0" cy="4500000"/>
+            <a:ext cx="0" cy="4608000"/>
           </a:xfrm>
           <a:prstGeom prst="straightConnector1">
             <a:avLst/>
@@ -3209,7 +3209,7 @@
         <p:spPr>
           <a:xfrm>
             <a:off x="5772295" y="1800000"/>
-            <a:ext cx="0" cy="4500000"/>
+            <a:ext cx="0" cy="4608000"/>
           </a:xfrm>
           <a:prstGeom prst="straightConnector1">
             <a:avLst/>
@@ -6160,7 +6160,7 @@
         </p:nvSpPr>
         <p:spPr>
           <a:xfrm>
-            <a:off x="2722271" y="2091625"/>
+            <a:off x="2722271" y="2085529"/>
             <a:ext cx="1368000" cy="523220"/>
           </a:xfrm>
           <a:prstGeom prst="rect">
@@ -6227,23 +6227,7 @@
                   <a:schemeClr val="tx1"/>
                 </a:solidFill>
               </a:rPr>
-              <a:t>Pay</a:t>
-            </a:r>
-            <a:r>
-              <a:rPr lang="en-US" sz="1400" dirty="0" smtClean="0">
-                <a:solidFill>
-                  <a:schemeClr val="tx1"/>
-                </a:solidFill>
-              </a:rPr>
-              <a:t>: </a:t>
-            </a:r>
-            <a:r>
-              <a:rPr lang="en-US" sz="1400" dirty="0" smtClean="0">
-                <a:solidFill>
-                  <a:schemeClr val="tx1"/>
-                </a:solidFill>
-              </a:rPr>
-              <a:t>€ 100</a:t>
+              <a:t>Pay: € 100</a:t>
             </a:r>
             <a:endParaRPr lang="en-US" sz="1400" dirty="0">
               <a:solidFill>
@@ -6261,7 +6245,7 @@
         </p:nvSpPr>
         <p:spPr>
           <a:xfrm>
-            <a:off x="322321" y="2128792"/>
+            <a:off x="322321" y="2122696"/>
             <a:ext cx="1692000" cy="486053"/>
           </a:xfrm>
           <a:prstGeom prst="roundRect">
@@ -6322,7 +6306,7 @@
         </p:nvCxnSpPr>
         <p:spPr>
           <a:xfrm flipH="1">
-            <a:off x="2285462" y="3208620"/>
+            <a:off x="2285462" y="3220742"/>
             <a:ext cx="2265683" cy="0"/>
           </a:xfrm>
           <a:prstGeom prst="straightConnector1">
@@ -6355,7 +6339,7 @@
         </p:nvSpPr>
         <p:spPr>
           <a:xfrm>
-            <a:off x="2722271" y="2712331"/>
+            <a:off x="2722271" y="2724453"/>
             <a:ext cx="1368000" cy="992579"/>
           </a:xfrm>
           <a:prstGeom prst="rect">
@@ -6426,31 +6410,7 @@
                   <a:schemeClr val="tx1"/>
                 </a:solidFill>
               </a:rPr>
-              <a:t>Pay</a:t>
-            </a:r>
-            <a:r>
-              <a:rPr lang="en-US" sz="1400" dirty="0" smtClean="0">
-                <a:solidFill>
-                  <a:schemeClr val="tx1"/>
-                </a:solidFill>
-              </a:rPr>
-              <a:t>: </a:t>
-            </a:r>
-            <a:r>
-              <a:rPr lang="en-US" sz="1400" dirty="0" smtClean="0">
-                <a:solidFill>
-                  <a:schemeClr val="tx1"/>
-                </a:solidFill>
-              </a:rPr>
-              <a:t>€ </a:t>
-            </a:r>
-            <a:r>
-              <a:rPr lang="en-US" sz="1400" dirty="0" smtClean="0">
-                <a:solidFill>
-                  <a:schemeClr val="tx1"/>
-                </a:solidFill>
-              </a:rPr>
-              <a:t>100</a:t>
+              <a:t>Pay: € 100</a:t>
             </a:r>
             <a:br>
               <a:rPr lang="en-US" sz="1400" dirty="0" smtClean="0">
@@ -6467,11 +6427,6 @@
               </a:rPr>
               <a:t>Account: 46432</a:t>
             </a:r>
-            <a:endParaRPr lang="en-US" sz="1400" dirty="0" smtClean="0">
-              <a:solidFill>
-                <a:schemeClr val="tx1"/>
-              </a:solidFill>
-            </a:endParaRPr>
           </a:p>
           <a:p>
             <a:pPr>
@@ -6746,23 +6701,7 @@
                   <a:schemeClr val="tx1"/>
                 </a:solidFill>
               </a:rPr>
-              <a:t>Pay</a:t>
-            </a:r>
-            <a:r>
-              <a:rPr lang="en-US" sz="1400" dirty="0" smtClean="0">
-                <a:solidFill>
-                  <a:schemeClr val="tx1"/>
-                </a:solidFill>
-              </a:rPr>
-              <a:t>: </a:t>
-            </a:r>
-            <a:r>
-              <a:rPr lang="en-US" sz="1400" dirty="0" smtClean="0">
-                <a:solidFill>
-                  <a:schemeClr val="tx1"/>
-                </a:solidFill>
-              </a:rPr>
-              <a:t>€ 100</a:t>
+              <a:t>Pay: € 100</a:t>
             </a:r>
             <a:endParaRPr lang="en-US" sz="1400" dirty="0">
               <a:solidFill>
@@ -6780,7 +6719,7 @@
         </p:nvSpPr>
         <p:spPr>
           <a:xfrm>
-            <a:off x="2722271" y="4941168"/>
+            <a:off x="2722271" y="4956701"/>
             <a:ext cx="1368000" cy="992579"/>
           </a:xfrm>
           <a:prstGeom prst="rect">
@@ -6851,23 +6790,7 @@
                   <a:schemeClr val="tx1"/>
                 </a:solidFill>
               </a:rPr>
-              <a:t>Pay</a:t>
-            </a:r>
-            <a:r>
-              <a:rPr lang="en-US" sz="1400" dirty="0" smtClean="0">
-                <a:solidFill>
-                  <a:schemeClr val="tx1"/>
-                </a:solidFill>
-              </a:rPr>
-              <a:t>: </a:t>
-            </a:r>
-            <a:r>
-              <a:rPr lang="en-US" sz="1400" dirty="0" smtClean="0">
-                <a:solidFill>
-                  <a:schemeClr val="tx1"/>
-                </a:solidFill>
-              </a:rPr>
-              <a:t>€ </a:t>
+              <a:t>Pay: € </a:t>
             </a:r>
             <a:r>
               <a:rPr lang="en-US" sz="1400" dirty="0">
@@ -6938,7 +6861,7 @@
         </p:nvSpPr>
         <p:spPr>
           <a:xfrm>
-            <a:off x="2851472" y="5971063"/>
+            <a:off x="2851472" y="5996781"/>
             <a:ext cx="1109599" cy="307777"/>
           </a:xfrm>
           <a:prstGeom prst="rect">
@@ -7680,7 +7603,7 @@
         </p:nvGrpSpPr>
         <p:grpSpPr>
           <a:xfrm>
-            <a:off x="2076104" y="2167897"/>
+            <a:off x="2076104" y="2161801"/>
             <a:ext cx="389850" cy="369332"/>
             <a:chOff x="6653446" y="2335884"/>
             <a:chExt cx="389850" cy="369332"/>
@@ -7773,7 +7696,7 @@
         </p:nvGrpSpPr>
         <p:grpSpPr>
           <a:xfrm>
-            <a:off x="4359780" y="3025889"/>
+            <a:off x="4359780" y="3038011"/>
             <a:ext cx="389850" cy="369332"/>
             <a:chOff x="7617435" y="3266164"/>
             <a:chExt cx="389850" cy="369332"/>

--- a/payments/y2020-strong-merchant-authorization.pptx
+++ b/payments/y2020-strong-merchant-authorization.pptx
@@ -3103,7 +3103,7 @@
         </p:nvCxnSpPr>
         <p:spPr>
           <a:xfrm>
-            <a:off x="2270357" y="2347139"/>
+            <a:off x="2270357" y="2341043"/>
             <a:ext cx="2268626" cy="0"/>
           </a:xfrm>
           <a:prstGeom prst="straightConnector1">
@@ -6160,7 +6160,7 @@
         </p:nvSpPr>
         <p:spPr>
           <a:xfrm>
-            <a:off x="2722271" y="2085529"/>
+            <a:off x="2722271" y="2079433"/>
             <a:ext cx="1368000" cy="523220"/>
           </a:xfrm>
           <a:prstGeom prst="rect">
@@ -6245,7 +6245,7 @@
         </p:nvSpPr>
         <p:spPr>
           <a:xfrm>
-            <a:off x="322321" y="2122696"/>
+            <a:off x="322321" y="2104408"/>
             <a:ext cx="1692000" cy="486053"/>
           </a:xfrm>
           <a:prstGeom prst="roundRect">
@@ -7123,8 +7123,8 @@
         </p:nvSpPr>
         <p:spPr>
           <a:xfrm>
-            <a:off x="322321" y="3379472"/>
-            <a:ext cx="1692000" cy="1656184"/>
+            <a:off x="322321" y="3378688"/>
+            <a:ext cx="1692000" cy="1634488"/>
           </a:xfrm>
           <a:prstGeom prst="roundRect">
             <a:avLst>
@@ -7166,7 +7166,7 @@
                   <a:schemeClr val="tx1"/>
                 </a:solidFill>
               </a:rPr>
-              <a:t>The Merchant puts the two messages in an envelope and digitall</a:t>
+              <a:t>The Merchant puts the two messages in a new document and digitall</a:t>
             </a:r>
             <a:r>
               <a:rPr lang="en-US" sz="1400" dirty="0">
@@ -7182,17 +7182,33 @@
                   <a:schemeClr val="tx1"/>
                 </a:solidFill>
               </a:rPr>
-              <a:t> signs it.</a:t>
-            </a:r>
-          </a:p>
-          <a:p>
+              <a:t> signs </a:t>
+            </a:r>
             <a:r>
               <a:rPr lang="en-US" sz="1400" dirty="0" smtClean="0">
                 <a:solidFill>
                   <a:schemeClr val="tx1"/>
                 </a:solidFill>
               </a:rPr>
-              <a:t>The package is then sent to the User Bank for fulfilment.</a:t>
+              <a:t>it.</a:t>
+            </a:r>
+          </a:p>
+          <a:p>
+            <a:r>
+              <a:rPr lang="en-US" sz="1400" dirty="0" smtClean="0">
+                <a:solidFill>
+                  <a:schemeClr val="tx1"/>
+                </a:solidFill>
+              </a:rPr>
+              <a:t>Then the document is sent </a:t>
+            </a:r>
+            <a:r>
+              <a:rPr lang="en-US" sz="1400" dirty="0" smtClean="0">
+                <a:solidFill>
+                  <a:schemeClr val="tx1"/>
+                </a:solidFill>
+              </a:rPr>
+              <a:t>to the User Bank for fulfilment.</a:t>
             </a:r>
             <a:endParaRPr lang="en-US" sz="1400" dirty="0">
               <a:solidFill>
@@ -7603,7 +7619,7 @@
         </p:nvGrpSpPr>
         <p:grpSpPr>
           <a:xfrm>
-            <a:off x="2076104" y="2161801"/>
+            <a:off x="2076104" y="2155705"/>
             <a:ext cx="389850" cy="369332"/>
             <a:chOff x="6653446" y="2335884"/>
             <a:chExt cx="389850" cy="369332"/>

--- a/payments/y2020-strong-merchant-authorization.pptx
+++ b/payments/y2020-strong-merchant-authorization.pptx
@@ -288,7 +288,7 @@
           <a:p>
             <a:fld id="{ACA14FDE-46FF-4805-9154-CB827A54529B}" type="datetimeFigureOut">
               <a:rPr lang="en-US" smtClean="0"/>
-              <a:t>2020-04-08</a:t>
+              <a:t>2020-04-12</a:t>
             </a:fld>
             <a:endParaRPr lang="en-US"/>
           </a:p>
@@ -458,7 +458,7 @@
           <a:p>
             <a:fld id="{ACA14FDE-46FF-4805-9154-CB827A54529B}" type="datetimeFigureOut">
               <a:rPr lang="en-US" smtClean="0"/>
-              <a:t>2020-04-08</a:t>
+              <a:t>2020-04-12</a:t>
             </a:fld>
             <a:endParaRPr lang="en-US"/>
           </a:p>
@@ -638,7 +638,7 @@
           <a:p>
             <a:fld id="{ACA14FDE-46FF-4805-9154-CB827A54529B}" type="datetimeFigureOut">
               <a:rPr lang="en-US" smtClean="0"/>
-              <a:t>2020-04-08</a:t>
+              <a:t>2020-04-12</a:t>
             </a:fld>
             <a:endParaRPr lang="en-US"/>
           </a:p>
@@ -808,7 +808,7 @@
           <a:p>
             <a:fld id="{ACA14FDE-46FF-4805-9154-CB827A54529B}" type="datetimeFigureOut">
               <a:rPr lang="en-US" smtClean="0"/>
-              <a:t>2020-04-08</a:t>
+              <a:t>2020-04-12</a:t>
             </a:fld>
             <a:endParaRPr lang="en-US"/>
           </a:p>
@@ -1054,7 +1054,7 @@
           <a:p>
             <a:fld id="{ACA14FDE-46FF-4805-9154-CB827A54529B}" type="datetimeFigureOut">
               <a:rPr lang="en-US" smtClean="0"/>
-              <a:t>2020-04-08</a:t>
+              <a:t>2020-04-12</a:t>
             </a:fld>
             <a:endParaRPr lang="en-US"/>
           </a:p>
@@ -1342,7 +1342,7 @@
           <a:p>
             <a:fld id="{ACA14FDE-46FF-4805-9154-CB827A54529B}" type="datetimeFigureOut">
               <a:rPr lang="en-US" smtClean="0"/>
-              <a:t>2020-04-08</a:t>
+              <a:t>2020-04-12</a:t>
             </a:fld>
             <a:endParaRPr lang="en-US"/>
           </a:p>
@@ -1764,7 +1764,7 @@
           <a:p>
             <a:fld id="{ACA14FDE-46FF-4805-9154-CB827A54529B}" type="datetimeFigureOut">
               <a:rPr lang="en-US" smtClean="0"/>
-              <a:t>2020-04-08</a:t>
+              <a:t>2020-04-12</a:t>
             </a:fld>
             <a:endParaRPr lang="en-US"/>
           </a:p>
@@ -1882,7 +1882,7 @@
           <a:p>
             <a:fld id="{ACA14FDE-46FF-4805-9154-CB827A54529B}" type="datetimeFigureOut">
               <a:rPr lang="en-US" smtClean="0"/>
-              <a:t>2020-04-08</a:t>
+              <a:t>2020-04-12</a:t>
             </a:fld>
             <a:endParaRPr lang="en-US"/>
           </a:p>
@@ -1977,7 +1977,7 @@
           <a:p>
             <a:fld id="{ACA14FDE-46FF-4805-9154-CB827A54529B}" type="datetimeFigureOut">
               <a:rPr lang="en-US" smtClean="0"/>
-              <a:t>2020-04-08</a:t>
+              <a:t>2020-04-12</a:t>
             </a:fld>
             <a:endParaRPr lang="en-US"/>
           </a:p>
@@ -2254,7 +2254,7 @@
           <a:p>
             <a:fld id="{ACA14FDE-46FF-4805-9154-CB827A54529B}" type="datetimeFigureOut">
               <a:rPr lang="en-US" smtClean="0"/>
-              <a:t>2020-04-08</a:t>
+              <a:t>2020-04-12</a:t>
             </a:fld>
             <a:endParaRPr lang="en-US"/>
           </a:p>
@@ -2507,7 +2507,7 @@
           <a:p>
             <a:fld id="{ACA14FDE-46FF-4805-9154-CB827A54529B}" type="datetimeFigureOut">
               <a:rPr lang="en-US" smtClean="0"/>
-              <a:t>2020-04-08</a:t>
+              <a:t>2020-04-12</a:t>
             </a:fld>
             <a:endParaRPr lang="en-US"/>
           </a:p>
@@ -2720,7 +2720,7 @@
           <a:p>
             <a:fld id="{ACA14FDE-46FF-4805-9154-CB827A54529B}" type="datetimeFigureOut">
               <a:rPr lang="en-US" smtClean="0"/>
-              <a:t>2020-04-08</a:t>
+              <a:t>2020-04-12</a:t>
             </a:fld>
             <a:endParaRPr lang="en-US"/>
           </a:p>
@@ -3136,8 +3136,8 @@
         </p:nvCxnSpPr>
         <p:spPr>
           <a:xfrm>
-            <a:off x="2270357" y="1800000"/>
-            <a:ext cx="0" cy="4608000"/>
+            <a:off x="2270357" y="1439960"/>
+            <a:ext cx="0" cy="5004000"/>
           </a:xfrm>
           <a:prstGeom prst="straightConnector1">
             <a:avLst/>
@@ -3172,8 +3172,8 @@
         </p:nvCxnSpPr>
         <p:spPr>
           <a:xfrm>
-            <a:off x="4556169" y="1800000"/>
-            <a:ext cx="0" cy="4608000"/>
+            <a:off x="4556169" y="1439960"/>
+            <a:ext cx="0" cy="5004000"/>
           </a:xfrm>
           <a:prstGeom prst="straightConnector1">
             <a:avLst/>
@@ -3208,8 +3208,8 @@
         </p:nvCxnSpPr>
         <p:spPr>
           <a:xfrm>
-            <a:off x="5772295" y="1800000"/>
-            <a:ext cx="0" cy="4608000"/>
+            <a:off x="5772295" y="1439960"/>
+            <a:ext cx="0" cy="5004000"/>
           </a:xfrm>
           <a:prstGeom prst="straightConnector1">
             <a:avLst/>
@@ -3244,7 +3244,7 @@
         </p:nvCxnSpPr>
         <p:spPr>
           <a:xfrm>
-            <a:off x="1212700" y="1637508"/>
+            <a:off x="1212700" y="1277468"/>
             <a:ext cx="360000" cy="0"/>
           </a:xfrm>
           <a:prstGeom prst="straightConnector1">
@@ -3283,7 +3283,7 @@
         </p:nvCxnSpPr>
         <p:spPr>
           <a:xfrm flipH="1">
-            <a:off x="5099901" y="1620555"/>
+            <a:off x="5099901" y="1260515"/>
             <a:ext cx="360000" cy="0"/>
           </a:xfrm>
           <a:prstGeom prst="straightConnector1">
@@ -3322,7 +3322,7 @@
         </p:nvGrpSpPr>
         <p:grpSpPr>
           <a:xfrm>
-            <a:off x="1974036" y="1414920"/>
+            <a:off x="1974036" y="1054880"/>
             <a:ext cx="557162" cy="447881"/>
             <a:chOff x="3321759" y="524071"/>
             <a:chExt cx="557162" cy="447881"/>
@@ -4556,7 +4556,7 @@
         </p:nvGrpSpPr>
         <p:grpSpPr>
           <a:xfrm>
-            <a:off x="5323659" y="1268760"/>
+            <a:off x="5323659" y="908720"/>
             <a:ext cx="927282" cy="687559"/>
             <a:chOff x="4013200" y="3014663"/>
             <a:chExt cx="1117600" cy="828675"/>
@@ -5186,7 +5186,7 @@
         </p:nvGrpSpPr>
         <p:grpSpPr>
           <a:xfrm>
-            <a:off x="510836" y="1268760"/>
+            <a:off x="510836" y="908720"/>
             <a:ext cx="927282" cy="687559"/>
             <a:chOff x="4013200" y="3014663"/>
             <a:chExt cx="1117600" cy="828675"/>
@@ -5831,7 +5831,7 @@
         </p:blipFill>
         <p:spPr bwMode="auto">
           <a:xfrm>
-            <a:off x="4322169" y="1371092"/>
+            <a:off x="4322169" y="1011052"/>
             <a:ext cx="468000" cy="468000"/>
           </a:xfrm>
           <a:prstGeom prst="rect">
@@ -5879,7 +5879,7 @@
         </p:blipFill>
         <p:spPr bwMode="auto">
           <a:xfrm flipH="1">
-            <a:off x="1560412" y="1467779"/>
+            <a:off x="1560412" y="1107739"/>
             <a:ext cx="360040" cy="356341"/>
           </a:xfrm>
           <a:prstGeom prst="rect">
@@ -5933,7 +5933,7 @@
         </p:blipFill>
         <p:spPr bwMode="auto">
           <a:xfrm>
-            <a:off x="4760313" y="1478030"/>
+            <a:off x="4760313" y="1117990"/>
             <a:ext cx="360040" cy="356341"/>
           </a:xfrm>
           <a:prstGeom prst="rect">
@@ -5972,7 +5972,7 @@
         </p:nvSpPr>
         <p:spPr>
           <a:xfrm>
-            <a:off x="1583064" y="332656"/>
+            <a:off x="1583064" y="116632"/>
             <a:ext cx="5982792" cy="430887"/>
           </a:xfrm>
           <a:prstGeom prst="rect">
@@ -6010,7 +6010,7 @@
         </p:nvSpPr>
         <p:spPr>
           <a:xfrm>
-            <a:off x="5255064" y="951504"/>
+            <a:off x="5255064" y="591464"/>
             <a:ext cx="1027845" cy="338554"/>
           </a:xfrm>
           <a:prstGeom prst="rect">
@@ -6040,7 +6040,7 @@
         </p:nvSpPr>
         <p:spPr>
           <a:xfrm>
-            <a:off x="1753815" y="951504"/>
+            <a:off x="1753815" y="591464"/>
             <a:ext cx="997261" cy="338554"/>
           </a:xfrm>
           <a:prstGeom prst="rect">
@@ -6070,7 +6070,7 @@
         </p:nvSpPr>
         <p:spPr>
           <a:xfrm>
-            <a:off x="221040" y="951504"/>
+            <a:off x="221040" y="591464"/>
             <a:ext cx="1454116" cy="338554"/>
           </a:xfrm>
           <a:prstGeom prst="rect">
@@ -6116,7 +6116,11 @@
           <a:p>
             <a:r>
               <a:rPr lang="en-US" sz="1000" dirty="0" smtClean="0"/>
-              <a:t>2020-04-08 anders.rundgren.net@gmail.com</a:t>
+              <a:t>2020-04-12 </a:t>
+            </a:r>
+            <a:r>
+              <a:rPr lang="en-US" sz="1000" dirty="0" smtClean="0"/>
+              <a:t>anders.rundgren.net@gmail.com</a:t>
             </a:r>
             <a:endParaRPr lang="en-US" sz="1000" dirty="0"/>
           </a:p>
@@ -6130,7 +6134,7 @@
         </p:nvSpPr>
         <p:spPr>
           <a:xfrm>
-            <a:off x="4255968" y="951504"/>
+            <a:off x="4255968" y="591464"/>
             <a:ext cx="570990" cy="338554"/>
           </a:xfrm>
           <a:prstGeom prst="rect">
@@ -6160,7 +6164,7 @@
         </p:nvSpPr>
         <p:spPr>
           <a:xfrm>
-            <a:off x="2722271" y="2079433"/>
+            <a:off x="2728367" y="2079433"/>
             <a:ext cx="1368000" cy="523220"/>
           </a:xfrm>
           <a:prstGeom prst="rect">
@@ -6339,7 +6343,7 @@
         </p:nvSpPr>
         <p:spPr>
           <a:xfrm>
-            <a:off x="2722271" y="2724453"/>
+            <a:off x="2728367" y="2724453"/>
             <a:ext cx="1368000" cy="992579"/>
           </a:xfrm>
           <a:prstGeom prst="rect">
@@ -6503,7 +6507,39 @@
                   <a:schemeClr val="tx1"/>
                 </a:solidFill>
               </a:rPr>
-              <a:t>If accepted, the User returns a digitally signed authorization matching the request.</a:t>
+              <a:t>If </a:t>
+            </a:r>
+            <a:r>
+              <a:rPr lang="en-US" sz="1400" dirty="0" smtClean="0">
+                <a:solidFill>
+                  <a:schemeClr val="tx1"/>
+                </a:solidFill>
+              </a:rPr>
+              <a:t>the request is accepted</a:t>
+            </a:r>
+            <a:r>
+              <a:rPr lang="en-US" sz="1400" dirty="0">
+                <a:solidFill>
+                  <a:schemeClr val="tx1"/>
+                </a:solidFill>
+              </a:rPr>
+              <a:t>,</a:t>
+            </a:r>
+            <a:r>
+              <a:rPr lang="en-US" sz="1400" dirty="0" smtClean="0">
+                <a:solidFill>
+                  <a:schemeClr val="tx1"/>
+                </a:solidFill>
+              </a:rPr>
+              <a:t> </a:t>
+            </a:r>
+            <a:r>
+              <a:rPr lang="en-US" sz="1400" dirty="0" smtClean="0">
+                <a:solidFill>
+                  <a:schemeClr val="tx1"/>
+                </a:solidFill>
+              </a:rPr>
+              <a:t>the User returns a digitally signed authorization matching the request.</a:t>
             </a:r>
           </a:p>
           <a:p>
@@ -6569,7 +6605,7 @@
         </p:nvSpPr>
         <p:spPr>
           <a:xfrm>
-            <a:off x="2542271" y="4137115"/>
+            <a:off x="2548367" y="4137115"/>
             <a:ext cx="1728000" cy="2162885"/>
           </a:xfrm>
           <a:prstGeom prst="rect">
@@ -6634,7 +6670,7 @@
         </p:nvSpPr>
         <p:spPr>
           <a:xfrm>
-            <a:off x="2722271" y="4303197"/>
+            <a:off x="2728367" y="4303197"/>
             <a:ext cx="1368000" cy="523220"/>
           </a:xfrm>
           <a:prstGeom prst="rect">
@@ -6719,7 +6755,7 @@
         </p:nvSpPr>
         <p:spPr>
           <a:xfrm>
-            <a:off x="2722271" y="4956701"/>
+            <a:off x="2728367" y="4956701"/>
             <a:ext cx="1368000" cy="992579"/>
           </a:xfrm>
           <a:prstGeom prst="rect">
@@ -6861,7 +6897,7 @@
         </p:nvSpPr>
         <p:spPr>
           <a:xfrm>
-            <a:off x="2851472" y="5996781"/>
+            <a:off x="2857568" y="5996781"/>
             <a:ext cx="1109599" cy="307777"/>
           </a:xfrm>
           <a:prstGeom prst="rect">
@@ -7039,7 +7075,7 @@
         </p:nvSpPr>
         <p:spPr>
           <a:xfrm>
-            <a:off x="6297167" y="908720"/>
+            <a:off x="6297167" y="661615"/>
             <a:ext cx="2554343" cy="1183209"/>
           </a:xfrm>
           <a:prstGeom prst="roundRect">
@@ -7182,33 +7218,17 @@
                   <a:schemeClr val="tx1"/>
                 </a:solidFill>
               </a:rPr>
-              <a:t> signs </a:t>
-            </a:r>
+              <a:t> signs it.</a:t>
+            </a:r>
+          </a:p>
+          <a:p>
             <a:r>
               <a:rPr lang="en-US" sz="1400" dirty="0" smtClean="0">
                 <a:solidFill>
                   <a:schemeClr val="tx1"/>
                 </a:solidFill>
               </a:rPr>
-              <a:t>it.</a:t>
-            </a:r>
-          </a:p>
-          <a:p>
-            <a:r>
-              <a:rPr lang="en-US" sz="1400" dirty="0" smtClean="0">
-                <a:solidFill>
-                  <a:schemeClr val="tx1"/>
-                </a:solidFill>
-              </a:rPr>
-              <a:t>Then the document is sent </a:t>
-            </a:r>
-            <a:r>
-              <a:rPr lang="en-US" sz="1400" dirty="0" smtClean="0">
-                <a:solidFill>
-                  <a:schemeClr val="tx1"/>
-                </a:solidFill>
-              </a:rPr>
-              <a:t>to the User Bank for fulfilment.</a:t>
+              <a:t>Then the document is sent to the User Bank for fulfilment.</a:t>
             </a:r>
             <a:endParaRPr lang="en-US" sz="1400" dirty="0">
               <a:solidFill>
@@ -7226,7 +7246,7 @@
         </p:nvGrpSpPr>
         <p:grpSpPr>
           <a:xfrm rot="870690">
-            <a:off x="5700078" y="2018500"/>
+            <a:off x="5700078" y="1658460"/>
             <a:ext cx="144000" cy="36000"/>
             <a:chOff x="6835201" y="836712"/>
             <a:chExt cx="305277" cy="72008"/>
@@ -7357,7 +7377,7 @@
         </p:nvGrpSpPr>
         <p:grpSpPr>
           <a:xfrm rot="870690">
-            <a:off x="4484399" y="2018500"/>
+            <a:off x="4484399" y="1658460"/>
             <a:ext cx="144000" cy="36000"/>
             <a:chOff x="6835201" y="836712"/>
             <a:chExt cx="305277" cy="72008"/>
@@ -7488,7 +7508,7 @@
         </p:nvGrpSpPr>
         <p:grpSpPr>
           <a:xfrm rot="870690">
-            <a:off x="2195954" y="2018500"/>
+            <a:off x="2195954" y="1658460"/>
             <a:ext cx="144000" cy="36000"/>
             <a:chOff x="6835201" y="836712"/>
             <a:chExt cx="305277" cy="72008"/>
@@ -7613,106 +7633,13 @@
       </p:grpSp>
       <p:grpSp>
         <p:nvGrpSpPr>
-          <p:cNvPr id="97" name="Group 96"/>
-          <p:cNvGrpSpPr/>
-          <p:nvPr/>
-        </p:nvGrpSpPr>
-        <p:grpSpPr>
-          <a:xfrm>
-            <a:off x="2076104" y="2155705"/>
-            <a:ext cx="389850" cy="369332"/>
-            <a:chOff x="6653446" y="2335884"/>
-            <a:chExt cx="389850" cy="369332"/>
-          </a:xfrm>
-        </p:grpSpPr>
-        <p:sp>
-          <p:nvSpPr>
-            <p:cNvPr id="98" name="Oval 97"/>
-            <p:cNvSpPr/>
-            <p:nvPr/>
-          </p:nvSpPr>
-          <p:spPr>
-            <a:xfrm>
-              <a:off x="6770971" y="2435965"/>
-              <a:ext cx="154800" cy="154800"/>
-            </a:xfrm>
-            <a:prstGeom prst="ellipse">
-              <a:avLst/>
-            </a:prstGeom>
-            <a:solidFill>
-              <a:schemeClr val="bg1"/>
-            </a:solidFill>
-            <a:ln>
-              <a:noFill/>
-            </a:ln>
-          </p:spPr>
-          <p:style>
-            <a:lnRef idx="2">
-              <a:schemeClr val="accent1">
-                <a:shade val="50000"/>
-              </a:schemeClr>
-            </a:lnRef>
-            <a:fillRef idx="1">
-              <a:schemeClr val="accent1"/>
-            </a:fillRef>
-            <a:effectRef idx="0">
-              <a:schemeClr val="accent1"/>
-            </a:effectRef>
-            <a:fontRef idx="minor">
-              <a:schemeClr val="lt1"/>
-            </a:fontRef>
-          </p:style>
-          <p:txBody>
-            <a:bodyPr rtlCol="0" anchor="ctr"/>
-            <a:lstStyle/>
-            <a:p>
-              <a:pPr algn="ctr"/>
-              <a:endParaRPr lang="en-US"/>
-            </a:p>
-          </p:txBody>
-        </p:sp>
-        <p:sp>
-          <p:nvSpPr>
-            <p:cNvPr id="99" name="TextBox 98"/>
-            <p:cNvSpPr txBox="1"/>
-            <p:nvPr/>
-          </p:nvSpPr>
-          <p:spPr>
-            <a:xfrm>
-              <a:off x="6653446" y="2335884"/>
-              <a:ext cx="389850" cy="369332"/>
-            </a:xfrm>
-            <a:prstGeom prst="rect">
-              <a:avLst/>
-            </a:prstGeom>
-            <a:noFill/>
-          </p:spPr>
-          <p:txBody>
-            <a:bodyPr wrap="none" rtlCol="0">
-              <a:spAutoFit/>
-            </a:bodyPr>
-            <a:lstStyle/>
-            <a:p>
-              <a:r>
-                <a:rPr lang="en-US" dirty="0" smtClean="0">
-                  <a:sym typeface="Wingdings"/>
-                </a:rPr>
-                <a:t></a:t>
-              </a:r>
-              <a:endParaRPr lang="en-US" dirty="0"/>
-            </a:p>
-          </p:txBody>
-        </p:sp>
-      </p:grpSp>
-      <p:grpSp>
-        <p:nvGrpSpPr>
           <p:cNvPr id="100" name="Group 99"/>
           <p:cNvGrpSpPr/>
           <p:nvPr/>
         </p:nvGrpSpPr>
         <p:grpSpPr>
           <a:xfrm>
-            <a:off x="4359780" y="3038011"/>
+            <a:off x="2076731" y="2156269"/>
             <a:ext cx="389850" cy="369332"/>
             <a:chOff x="7617435" y="3266164"/>
             <a:chExt cx="389850" cy="369332"/>
@@ -7805,7 +7732,7 @@
         </p:nvGrpSpPr>
         <p:grpSpPr>
           <a:xfrm>
-            <a:off x="2075007" y="5003884"/>
+            <a:off x="4362444" y="3032682"/>
             <a:ext cx="389850" cy="369332"/>
             <a:chOff x="7769835" y="3418564"/>
             <a:chExt cx="389850" cy="369332"/>
@@ -7943,8 +7870,8 @@
         </p:nvSpPr>
         <p:spPr>
           <a:xfrm>
-            <a:off x="2525296" y="6381328"/>
-            <a:ext cx="3081934" cy="307777"/>
+            <a:off x="2307168" y="6439687"/>
+            <a:ext cx="3488968" cy="307777"/>
           </a:xfrm>
           <a:prstGeom prst="rect">
             <a:avLst/>
@@ -7958,10 +7885,18 @@
           <a:lstStyle/>
           <a:p>
             <a:r>
-              <a:rPr lang="en-US" sz="1400" dirty="0" smtClean="0"/>
-              <a:t>Subsequent steps excluded for brevity…</a:t>
-            </a:r>
-            <a:endParaRPr lang="en-US" sz="1400" dirty="0"/>
+              <a:rPr lang="en-US" sz="1400" i="1" dirty="0" smtClean="0"/>
+              <a:t>Subsequent steps </a:t>
+            </a:r>
+            <a:r>
+              <a:rPr lang="en-US" sz="1400" i="1" dirty="0" smtClean="0"/>
+              <a:t>were excluded </a:t>
+            </a:r>
+            <a:r>
+              <a:rPr lang="en-US" sz="1400" i="1" dirty="0" smtClean="0"/>
+              <a:t>for brevity…</a:t>
+            </a:r>
+            <a:endParaRPr lang="en-US" sz="1400" i="1" dirty="0"/>
           </a:p>
         </p:txBody>
       </p:sp>
@@ -7999,6 +7934,256 @@
             <a:r>
               <a:rPr lang="en-US" sz="1400" i="1" dirty="0" smtClean="0"/>
               <a:t>greement</a:t>
+            </a:r>
+            <a:endParaRPr lang="en-US" sz="1400" i="1" dirty="0"/>
+          </a:p>
+        </p:txBody>
+      </p:sp>
+      <p:cxnSp>
+        <p:nvCxnSpPr>
+          <p:cNvPr id="109" name="Straight Arrow Connector 108"/>
+          <p:cNvCxnSpPr/>
+          <p:nvPr/>
+        </p:nvCxnSpPr>
+        <p:spPr>
+          <a:xfrm flipH="1">
+            <a:off x="2286000" y="1953408"/>
+            <a:ext cx="2265683" cy="0"/>
+          </a:xfrm>
+          <a:prstGeom prst="straightConnector1">
+            <a:avLst/>
+          </a:prstGeom>
+          <a:ln w="19050">
+            <a:tailEnd type="triangle" w="med" len="sm"/>
+          </a:ln>
+        </p:spPr>
+        <p:style>
+          <a:lnRef idx="1">
+            <a:schemeClr val="accent1"/>
+          </a:lnRef>
+          <a:fillRef idx="0">
+            <a:schemeClr val="accent1"/>
+          </a:fillRef>
+          <a:effectRef idx="0">
+            <a:schemeClr val="accent1"/>
+          </a:effectRef>
+          <a:fontRef idx="minor">
+            <a:schemeClr val="tx1"/>
+          </a:fontRef>
+        </p:style>
+      </p:cxnSp>
+      <p:grpSp>
+        <p:nvGrpSpPr>
+          <p:cNvPr id="113" name="Group 112"/>
+          <p:cNvGrpSpPr/>
+          <p:nvPr/>
+        </p:nvGrpSpPr>
+        <p:grpSpPr>
+          <a:xfrm>
+            <a:off x="2076731" y="5004839"/>
+            <a:ext cx="389850" cy="369332"/>
+            <a:chOff x="7769835" y="3418564"/>
+            <a:chExt cx="389850" cy="369332"/>
+          </a:xfrm>
+        </p:grpSpPr>
+        <p:sp>
+          <p:nvSpPr>
+            <p:cNvPr id="114" name="Oval 113"/>
+            <p:cNvSpPr/>
+            <p:nvPr/>
+          </p:nvSpPr>
+          <p:spPr>
+            <a:xfrm>
+              <a:off x="7887360" y="3518873"/>
+              <a:ext cx="154800" cy="154800"/>
+            </a:xfrm>
+            <a:prstGeom prst="ellipse">
+              <a:avLst/>
+            </a:prstGeom>
+            <a:solidFill>
+              <a:schemeClr val="bg1"/>
+            </a:solidFill>
+            <a:ln>
+              <a:noFill/>
+            </a:ln>
+          </p:spPr>
+          <p:style>
+            <a:lnRef idx="2">
+              <a:schemeClr val="accent1">
+                <a:shade val="50000"/>
+              </a:schemeClr>
+            </a:lnRef>
+            <a:fillRef idx="1">
+              <a:schemeClr val="accent1"/>
+            </a:fillRef>
+            <a:effectRef idx="0">
+              <a:schemeClr val="accent1"/>
+            </a:effectRef>
+            <a:fontRef idx="minor">
+              <a:schemeClr val="lt1"/>
+            </a:fontRef>
+          </p:style>
+          <p:txBody>
+            <a:bodyPr rtlCol="0" anchor="ctr"/>
+            <a:lstStyle/>
+            <a:p>
+              <a:pPr algn="ctr"/>
+              <a:endParaRPr lang="en-US"/>
+            </a:p>
+          </p:txBody>
+        </p:sp>
+        <p:sp>
+          <p:nvSpPr>
+            <p:cNvPr id="115" name="TextBox 114"/>
+            <p:cNvSpPr txBox="1"/>
+            <p:nvPr/>
+          </p:nvSpPr>
+          <p:spPr>
+            <a:xfrm>
+              <a:off x="7769835" y="3418564"/>
+              <a:ext cx="389850" cy="369332"/>
+            </a:xfrm>
+            <a:prstGeom prst="rect">
+              <a:avLst/>
+            </a:prstGeom>
+            <a:noFill/>
+          </p:spPr>
+          <p:txBody>
+            <a:bodyPr wrap="none" rtlCol="0">
+              <a:spAutoFit/>
+            </a:bodyPr>
+            <a:lstStyle/>
+            <a:p>
+              <a:r>
+                <a:rPr lang="en-US" dirty="0" smtClean="0">
+                  <a:sym typeface="Wingdings"/>
+                </a:rPr>
+                <a:t></a:t>
+              </a:r>
+              <a:endParaRPr lang="en-US" dirty="0"/>
+            </a:p>
+          </p:txBody>
+        </p:sp>
+      </p:grpSp>
+      <p:grpSp>
+        <p:nvGrpSpPr>
+          <p:cNvPr id="97" name="Group 96"/>
+          <p:cNvGrpSpPr/>
+          <p:nvPr/>
+        </p:nvGrpSpPr>
+        <p:grpSpPr>
+          <a:xfrm>
+            <a:off x="4360740" y="1765906"/>
+            <a:ext cx="389850" cy="369332"/>
+            <a:chOff x="6653446" y="2335884"/>
+            <a:chExt cx="389850" cy="369332"/>
+          </a:xfrm>
+        </p:grpSpPr>
+        <p:sp>
+          <p:nvSpPr>
+            <p:cNvPr id="98" name="Oval 97"/>
+            <p:cNvSpPr/>
+            <p:nvPr/>
+          </p:nvSpPr>
+          <p:spPr>
+            <a:xfrm>
+              <a:off x="6770971" y="2435965"/>
+              <a:ext cx="154800" cy="154800"/>
+            </a:xfrm>
+            <a:prstGeom prst="ellipse">
+              <a:avLst/>
+            </a:prstGeom>
+            <a:solidFill>
+              <a:schemeClr val="bg1"/>
+            </a:solidFill>
+            <a:ln>
+              <a:noFill/>
+            </a:ln>
+          </p:spPr>
+          <p:style>
+            <a:lnRef idx="2">
+              <a:schemeClr val="accent1">
+                <a:shade val="50000"/>
+              </a:schemeClr>
+            </a:lnRef>
+            <a:fillRef idx="1">
+              <a:schemeClr val="accent1"/>
+            </a:fillRef>
+            <a:effectRef idx="0">
+              <a:schemeClr val="accent1"/>
+            </a:effectRef>
+            <a:fontRef idx="minor">
+              <a:schemeClr val="lt1"/>
+            </a:fontRef>
+          </p:style>
+          <p:txBody>
+            <a:bodyPr rtlCol="0" anchor="ctr"/>
+            <a:lstStyle/>
+            <a:p>
+              <a:pPr algn="ctr"/>
+              <a:endParaRPr lang="en-US"/>
+            </a:p>
+          </p:txBody>
+        </p:sp>
+        <p:sp>
+          <p:nvSpPr>
+            <p:cNvPr id="99" name="TextBox 98"/>
+            <p:cNvSpPr txBox="1"/>
+            <p:nvPr/>
+          </p:nvSpPr>
+          <p:spPr>
+            <a:xfrm>
+              <a:off x="6653446" y="2335884"/>
+              <a:ext cx="389850" cy="369332"/>
+            </a:xfrm>
+            <a:prstGeom prst="rect">
+              <a:avLst/>
+            </a:prstGeom>
+            <a:noFill/>
+          </p:spPr>
+          <p:txBody>
+            <a:bodyPr wrap="none" rtlCol="0">
+              <a:spAutoFit/>
+            </a:bodyPr>
+            <a:lstStyle/>
+            <a:p>
+              <a:r>
+                <a:rPr lang="en-US" dirty="0" smtClean="0">
+                  <a:sym typeface="Wingdings"/>
+                </a:rPr>
+                <a:t></a:t>
+              </a:r>
+              <a:endParaRPr lang="en-US" dirty="0"/>
+            </a:p>
+          </p:txBody>
+        </p:sp>
+      </p:grpSp>
+      <p:sp>
+        <p:nvSpPr>
+          <p:cNvPr id="116" name="TextBox 115"/>
+          <p:cNvSpPr txBox="1"/>
+          <p:nvPr/>
+        </p:nvSpPr>
+        <p:spPr>
+          <a:xfrm>
+            <a:off x="2964584" y="1634896"/>
+            <a:ext cx="846707" cy="307777"/>
+          </a:xfrm>
+          <a:prstGeom prst="rect">
+            <a:avLst/>
+          </a:prstGeom>
+          <a:noFill/>
+        </p:spPr>
+        <p:txBody>
+          <a:bodyPr wrap="none" rtlCol="0">
+            <a:spAutoFit/>
+          </a:bodyPr>
+          <a:lstStyle/>
+          <a:p>
+            <a:pPr algn="ctr"/>
+            <a:r>
+              <a:rPr lang="en-US" sz="1400" i="1" dirty="0" smtClean="0"/>
+              <a:t>Initiation</a:t>
             </a:r>
             <a:endParaRPr lang="en-US" sz="1400" i="1" dirty="0"/>
           </a:p>
